--- a/workflow.pptx
+++ b/workflow.pptx
@@ -10,8 +10,8 @@
     <p:sldId id="280" r:id="rId4"/>
     <p:sldId id="281" r:id="rId5"/>
     <p:sldId id="269" r:id="rId6"/>
-    <p:sldId id="275" r:id="rId7"/>
-    <p:sldId id="271" r:id="rId8"/>
+    <p:sldId id="283" r:id="rId7"/>
+    <p:sldId id="284" r:id="rId8"/>
   </p:sldIdLst>
   <p:sldSz cx="12192000" cy="6858000"/>
   <p:notesSz cx="6858000" cy="9144000"/>
@@ -267,7 +267,7 @@
           <a:p>
             <a:fld id="{19CC5DA6-DE84-4028-B044-13FB51547F64}" type="datetimeFigureOut">
               <a:rPr lang="en-IN" smtClean="0"/>
-              <a:t>28-08-2023</a:t>
+              <a:t>13-09-2023</a:t>
             </a:fld>
             <a:endParaRPr lang="en-IN"/>
           </a:p>
@@ -467,7 +467,7 @@
           <a:p>
             <a:fld id="{19CC5DA6-DE84-4028-B044-13FB51547F64}" type="datetimeFigureOut">
               <a:rPr lang="en-IN" smtClean="0"/>
-              <a:t>28-08-2023</a:t>
+              <a:t>13-09-2023</a:t>
             </a:fld>
             <a:endParaRPr lang="en-IN"/>
           </a:p>
@@ -677,7 +677,7 @@
           <a:p>
             <a:fld id="{19CC5DA6-DE84-4028-B044-13FB51547F64}" type="datetimeFigureOut">
               <a:rPr lang="en-IN" smtClean="0"/>
-              <a:t>28-08-2023</a:t>
+              <a:t>13-09-2023</a:t>
             </a:fld>
             <a:endParaRPr lang="en-IN"/>
           </a:p>
@@ -877,7 +877,7 @@
           <a:p>
             <a:fld id="{19CC5DA6-DE84-4028-B044-13FB51547F64}" type="datetimeFigureOut">
               <a:rPr lang="en-IN" smtClean="0"/>
-              <a:t>28-08-2023</a:t>
+              <a:t>13-09-2023</a:t>
             </a:fld>
             <a:endParaRPr lang="en-IN"/>
           </a:p>
@@ -1153,7 +1153,7 @@
           <a:p>
             <a:fld id="{19CC5DA6-DE84-4028-B044-13FB51547F64}" type="datetimeFigureOut">
               <a:rPr lang="en-IN" smtClean="0"/>
-              <a:t>28-08-2023</a:t>
+              <a:t>13-09-2023</a:t>
             </a:fld>
             <a:endParaRPr lang="en-IN"/>
           </a:p>
@@ -1421,7 +1421,7 @@
           <a:p>
             <a:fld id="{19CC5DA6-DE84-4028-B044-13FB51547F64}" type="datetimeFigureOut">
               <a:rPr lang="en-IN" smtClean="0"/>
-              <a:t>28-08-2023</a:t>
+              <a:t>13-09-2023</a:t>
             </a:fld>
             <a:endParaRPr lang="en-IN"/>
           </a:p>
@@ -1836,7 +1836,7 @@
           <a:p>
             <a:fld id="{19CC5DA6-DE84-4028-B044-13FB51547F64}" type="datetimeFigureOut">
               <a:rPr lang="en-IN" smtClean="0"/>
-              <a:t>28-08-2023</a:t>
+              <a:t>13-09-2023</a:t>
             </a:fld>
             <a:endParaRPr lang="en-IN"/>
           </a:p>
@@ -1978,7 +1978,7 @@
           <a:p>
             <a:fld id="{19CC5DA6-DE84-4028-B044-13FB51547F64}" type="datetimeFigureOut">
               <a:rPr lang="en-IN" smtClean="0"/>
-              <a:t>28-08-2023</a:t>
+              <a:t>13-09-2023</a:t>
             </a:fld>
             <a:endParaRPr lang="en-IN"/>
           </a:p>
@@ -2091,7 +2091,7 @@
           <a:p>
             <a:fld id="{19CC5DA6-DE84-4028-B044-13FB51547F64}" type="datetimeFigureOut">
               <a:rPr lang="en-IN" smtClean="0"/>
-              <a:t>28-08-2023</a:t>
+              <a:t>13-09-2023</a:t>
             </a:fld>
             <a:endParaRPr lang="en-IN"/>
           </a:p>
@@ -2404,7 +2404,7 @@
           <a:p>
             <a:fld id="{19CC5DA6-DE84-4028-B044-13FB51547F64}" type="datetimeFigureOut">
               <a:rPr lang="en-IN" smtClean="0"/>
-              <a:t>28-08-2023</a:t>
+              <a:t>13-09-2023</a:t>
             </a:fld>
             <a:endParaRPr lang="en-IN"/>
           </a:p>
@@ -2693,7 +2693,7 @@
           <a:p>
             <a:fld id="{19CC5DA6-DE84-4028-B044-13FB51547F64}" type="datetimeFigureOut">
               <a:rPr lang="en-IN" smtClean="0"/>
-              <a:t>28-08-2023</a:t>
+              <a:t>13-09-2023</a:t>
             </a:fld>
             <a:endParaRPr lang="en-IN"/>
           </a:p>
@@ -2936,7 +2936,7 @@
           <a:p>
             <a:fld id="{19CC5DA6-DE84-4028-B044-13FB51547F64}" type="datetimeFigureOut">
               <a:rPr lang="en-IN" smtClean="0"/>
-              <a:t>28-08-2023</a:t>
+              <a:t>13-09-2023</a:t>
             </a:fld>
             <a:endParaRPr lang="en-IN"/>
           </a:p>
@@ -4086,14 +4086,14 @@
           <p:nvPr>
             <p:extLst>
               <p:ext uri="{D42A27DB-BD31-4B8C-83A1-F6EECF244321}">
-                <p14:modId xmlns:p14="http://schemas.microsoft.com/office/powerpoint/2010/main" val="2593253660"/>
+                <p14:modId xmlns:p14="http://schemas.microsoft.com/office/powerpoint/2010/main" val="2038460891"/>
               </p:ext>
             </p:extLst>
           </p:nvPr>
         </p:nvGraphicFramePr>
         <p:xfrm>
           <a:off x="301840" y="911017"/>
-          <a:ext cx="11123721" cy="1010920"/>
+          <a:ext cx="8735628" cy="1010920"/>
         </p:xfrm>
         <a:graphic>
           <a:graphicData uri="http://schemas.openxmlformats.org/drawingml/2006/table">
@@ -4102,48 +4102,48 @@
                 <a:tableStyleId>{F2DE63D5-997A-4646-A377-4702673A728D}</a:tableStyleId>
               </a:tblPr>
               <a:tblGrid>
-                <a:gridCol w="1875107">
+                <a:gridCol w="1574738">
                   <a:extLst>
                     <a:ext uri="{9D8B030D-6E8A-4147-A177-3AD203B41FA5}">
                       <a16:colId xmlns:a16="http://schemas.microsoft.com/office/drawing/2014/main" val="3071449341"/>
                     </a:ext>
                   </a:extLst>
                 </a:gridCol>
-                <a:gridCol w="1599599">
+                <a:gridCol w="1343363">
                   <a:extLst>
                     <a:ext uri="{9D8B030D-6E8A-4147-A177-3AD203B41FA5}">
                       <a16:colId xmlns:a16="http://schemas.microsoft.com/office/drawing/2014/main" val="1462327245"/>
                     </a:ext>
                   </a:extLst>
                 </a:gridCol>
-                <a:gridCol w="1303362">
+                <a:gridCol w="1094579">
                   <a:extLst>
                     <a:ext uri="{9D8B030D-6E8A-4147-A177-3AD203B41FA5}">
                       <a16:colId xmlns:a16="http://schemas.microsoft.com/office/drawing/2014/main" val="1897539733"/>
                     </a:ext>
                   </a:extLst>
                 </a:gridCol>
-                <a:gridCol w="1755898">
+                <a:gridCol w="1926482">
                   <a:extLst>
                     <a:ext uri="{9D8B030D-6E8A-4147-A177-3AD203B41FA5}">
                       <a16:colId xmlns:a16="http://schemas.microsoft.com/office/drawing/2014/main" val="3591907601"/>
                     </a:ext>
                   </a:extLst>
                 </a:gridCol>
-                <a:gridCol w="2467992">
-                  <a:extLst>
-                    <a:ext uri="{9D8B030D-6E8A-4147-A177-3AD203B41FA5}">
-                      <a16:colId xmlns:a16="http://schemas.microsoft.com/office/drawing/2014/main" val="3834410342"/>
-                    </a:ext>
-                  </a:extLst>
-                </a:gridCol>
-                <a:gridCol w="2121763">
+                <a:gridCol w="1180730">
                   <a:extLst>
                     <a:ext uri="{9D8B030D-6E8A-4147-A177-3AD203B41FA5}">
                       <a16:colId xmlns:a16="http://schemas.microsoft.com/office/drawing/2014/main" val="1629371923"/>
                     </a:ext>
                   </a:extLst>
                 </a:gridCol>
+                <a:gridCol w="1615736">
+                  <a:extLst>
+                    <a:ext uri="{9D8B030D-6E8A-4147-A177-3AD203B41FA5}">
+                      <a16:colId xmlns:a16="http://schemas.microsoft.com/office/drawing/2014/main" val="3394357975"/>
+                    </a:ext>
+                  </a:extLst>
+                </a:gridCol>
               </a:tblGrid>
               <a:tr h="370840">
                 <a:tc>
@@ -4208,8 +4208,8 @@
                     <a:lstStyle/>
                     <a:p>
                       <a:r>
-                        <a:rPr lang="en-US" dirty="0" err="1"/>
-                        <a:t>symptoms_description</a:t>
+                        <a:rPr lang="en-US" dirty="0"/>
+                        <a:t>notes</a:t>
                       </a:r>
                       <a:endParaRPr lang="en-IN" dirty="0"/>
                     </a:p>
@@ -4223,7 +4223,7 @@
                     <a:p>
                       <a:r>
                         <a:rPr lang="en-US" dirty="0"/>
-                        <a:t>diagnosis _description</a:t>
+                        <a:t>status</a:t>
                       </a:r>
                       <a:endParaRPr lang="en-IN" dirty="0"/>
                     </a:p>
@@ -5324,14 +5324,14 @@
           <p:nvPr>
             <p:extLst>
               <p:ext uri="{D42A27DB-BD31-4B8C-83A1-F6EECF244321}">
-                <p14:modId xmlns:p14="http://schemas.microsoft.com/office/powerpoint/2010/main" val="2780284709"/>
+                <p14:modId xmlns:p14="http://schemas.microsoft.com/office/powerpoint/2010/main" val="309558144"/>
               </p:ext>
             </p:extLst>
           </p:nvPr>
         </p:nvGraphicFramePr>
         <p:xfrm>
           <a:off x="886776" y="4896862"/>
-          <a:ext cx="8852027" cy="1483360"/>
+          <a:ext cx="6823976" cy="1483360"/>
         </p:xfrm>
         <a:graphic>
           <a:graphicData uri="http://schemas.openxmlformats.org/drawingml/2006/table">
@@ -5368,13 +5368,6 @@
                     </a:ext>
                   </a:extLst>
                 </a:gridCol>
-                <a:gridCol w="2028051">
-                  <a:extLst>
-                    <a:ext uri="{9D8B030D-6E8A-4147-A177-3AD203B41FA5}">
-                      <a16:colId xmlns:a16="http://schemas.microsoft.com/office/drawing/2014/main" val="3289517565"/>
-                    </a:ext>
-                  </a:extLst>
-                </a:gridCol>
               </a:tblGrid>
               <a:tr h="370840">
                 <a:tc>
@@ -5427,20 +5420,6 @@
                       <a:r>
                         <a:rPr lang="en-US" dirty="0"/>
                         <a:t>symptoms</a:t>
-                      </a:r>
-                      <a:endParaRPr lang="en-IN" dirty="0"/>
-                    </a:p>
-                  </a:txBody>
-                  <a:tcPr/>
-                </a:tc>
-                <a:tc>
-                  <a:txBody>
-                    <a:bodyPr/>
-                    <a:lstStyle/>
-                    <a:p>
-                      <a:r>
-                        <a:rPr lang="en-US" dirty="0"/>
-                        <a:t>notes</a:t>
                       </a:r>
                       <a:endParaRPr lang="en-IN" dirty="0"/>
                     </a:p>
@@ -5523,16 +5502,6 @@
                   </a:txBody>
                   <a:tcPr/>
                 </a:tc>
-                <a:tc>
-                  <a:txBody>
-                    <a:bodyPr/>
-                    <a:lstStyle/>
-                    <a:p>
-                      <a:endParaRPr lang="en-IN" dirty="0"/>
-                    </a:p>
-                  </a:txBody>
-                  <a:tcPr/>
-                </a:tc>
                 <a:extLst>
                   <a:ext uri="{0D108BD9-81ED-4DB2-BD59-A6C34878D82A}">
                     <a16:rowId xmlns:a16="http://schemas.microsoft.com/office/drawing/2014/main" val="1747003691"/>
@@ -5609,16 +5578,6 @@
                   </a:txBody>
                   <a:tcPr/>
                 </a:tc>
-                <a:tc>
-                  <a:txBody>
-                    <a:bodyPr/>
-                    <a:lstStyle/>
-                    <a:p>
-                      <a:endParaRPr lang="en-IN" dirty="0"/>
-                    </a:p>
-                  </a:txBody>
-                  <a:tcPr/>
-                </a:tc>
                 <a:extLst>
                   <a:ext uri="{0D108BD9-81ED-4DB2-BD59-A6C34878D82A}">
                     <a16:rowId xmlns:a16="http://schemas.microsoft.com/office/drawing/2014/main" val="1221909593"/>
@@ -5683,16 +5642,6 @@
                         <a:t>s3</a:t>
                       </a:r>
                       <a:endParaRPr lang="en-IN" sz="1800" dirty="0"/>
-                    </a:p>
-                  </a:txBody>
-                  <a:tcPr/>
-                </a:tc>
-                <a:tc>
-                  <a:txBody>
-                    <a:bodyPr/>
-                    <a:lstStyle/>
-                    <a:p>
-                      <a:endParaRPr lang="en-IN" dirty="0"/>
                     </a:p>
                   </a:txBody>
                   <a:tcPr/>
@@ -6126,8 +6075,8 @@
         </p:nvSpPr>
         <p:spPr>
           <a:xfrm>
-            <a:off x="4168135" y="124288"/>
-            <a:ext cx="3554178" cy="769441"/>
+            <a:off x="3486217" y="0"/>
+            <a:ext cx="5006499" cy="769441"/>
           </a:xfrm>
           <a:prstGeom prst="rect">
             <a:avLst/>
@@ -6147,7 +6096,7 @@
                 </a:solidFill>
                 <a:latin typeface="Bahnschrift" panose="020B0502040204020203" pitchFamily="34" charset="0"/>
               </a:rPr>
-              <a:t>New Patient  </a:t>
+              <a:t>Logged in as nurse</a:t>
             </a:r>
             <a:endParaRPr lang="en-IN" sz="4400" b="1" dirty="0">
               <a:solidFill>
@@ -6172,8 +6121,8 @@
         </p:nvSpPr>
         <p:spPr>
           <a:xfrm>
-            <a:off x="435969" y="566678"/>
-            <a:ext cx="11320061" cy="5724644"/>
+            <a:off x="435967" y="655454"/>
+            <a:ext cx="11320061" cy="5909310"/>
           </a:xfrm>
           <a:prstGeom prst="rect">
             <a:avLst/>
@@ -6207,11 +6156,10 @@
               <a:t> </a:t>
             </a:r>
             <a:r>
-              <a:rPr lang="en-US" sz="2000" b="1" dirty="0">
-                <a:effectLst/>
+              <a:rPr lang="en-US" sz="2400" b="1" dirty="0">
                 <a:latin typeface="Bahnschrift Light SemiCondensed" panose="020B0502040204020203" pitchFamily="34" charset="0"/>
               </a:rPr>
-              <a:t>Nurse taking input from the patient</a:t>
+              <a:t>There are two options for nurse</a:t>
             </a:r>
           </a:p>
           <a:p>
@@ -6224,9 +6172,10 @@
             </a:pPr>
             <a:r>
               <a:rPr lang="en-US" b="1" dirty="0">
+                <a:effectLst/>
                 <a:latin typeface="Bahnschrift Light SemiCondensed" panose="020B0502040204020203" pitchFamily="34" charset="0"/>
               </a:rPr>
-              <a:t> There will  be textbox to be filled about the basic details of the patient including name ,  age, sex etc.. </a:t>
+              <a:t> Register new patient</a:t>
             </a:r>
           </a:p>
           <a:p>
@@ -6239,13 +6188,40 @@
             </a:pPr>
             <a:r>
               <a:rPr lang="en-US" b="1" dirty="0">
+                <a:effectLst/>
                 <a:latin typeface="Bahnschrift Light SemiCondensed" panose="020B0502040204020203" pitchFamily="34" charset="0"/>
               </a:rPr>
-              <a:t> A new entry is created in the consultation table automatically</a:t>
-            </a:r>
-          </a:p>
-          <a:p>
-            <a:pPr lvl="1" fontAlgn="ctr">
+              <a:t> Already re</a:t>
+            </a:r>
+            <a:r>
+              <a:rPr lang="en-US" b="1" dirty="0">
+                <a:latin typeface="Bahnschrift Light SemiCondensed" panose="020B0502040204020203" pitchFamily="34" charset="0"/>
+              </a:rPr>
+              <a:t>gistered</a:t>
+            </a:r>
+          </a:p>
+          <a:p>
+            <a:pPr marL="457200" indent="-457200" rtl="0" fontAlgn="ctr">
+              <a:lnSpc>
+                <a:spcPct val="150000"/>
+              </a:lnSpc>
+              <a:spcBef>
+                <a:spcPts val="0"/>
+              </a:spcBef>
+              <a:spcAft>
+                <a:spcPts val="0"/>
+              </a:spcAft>
+              <a:buAutoNum type="arabicPeriod"/>
+            </a:pPr>
+            <a:r>
+              <a:rPr lang="en-US" sz="2400" b="1" dirty="0">
+                <a:latin typeface="Bahnschrift Light SemiCondensed" panose="020B0502040204020203" pitchFamily="34" charset="0"/>
+              </a:rPr>
+              <a:t>Register new patient</a:t>
+            </a:r>
+          </a:p>
+          <a:p>
+            <a:pPr marL="742950" lvl="1" indent="-285750" fontAlgn="ctr">
               <a:lnSpc>
                 <a:spcPct val="150000"/>
               </a:lnSpc>
@@ -6256,15 +6232,11 @@
               <a:rPr lang="en-US" b="1" dirty="0">
                 <a:latin typeface="Bahnschrift Light SemiCondensed" panose="020B0502040204020203" pitchFamily="34" charset="0"/>
               </a:rPr>
-              <a:t> Once the basic details are added and the patient registration is complete , there will be textbox to be filled about the pre-diagnosis of the patient which includes bp , temperature , etc..</a:t>
-            </a:r>
-            <a:endParaRPr lang="en-IN" b="1" dirty="0">
-              <a:effectLst/>
-              <a:latin typeface="Candara" panose="020E0502030303020204" pitchFamily="34" charset="0"/>
-            </a:endParaRPr>
-          </a:p>
-          <a:p>
-            <a:pPr fontAlgn="ctr">
+              <a:t>There will  be textbox to be filled about the basic details of the patient including name ,  age, sex etc..</a:t>
+            </a:r>
+          </a:p>
+          <a:p>
+            <a:pPr marL="742950" lvl="1" indent="-285750" fontAlgn="ctr">
               <a:lnSpc>
                 <a:spcPct val="150000"/>
               </a:lnSpc>
@@ -6272,21 +6244,14 @@
               <a:buChar char="•"/>
             </a:pPr>
             <a:r>
-              <a:rPr lang="en-IN" sz="2000" b="1" dirty="0">
-                <a:effectLst/>
-                <a:latin typeface="Candara" panose="020E0502030303020204" pitchFamily="34" charset="0"/>
-              </a:rPr>
-              <a:t> </a:t>
-            </a:r>
-            <a:r>
-              <a:rPr lang="en-IN" sz="2000" b="1" dirty="0">
+              <a:rPr lang="en-US" b="1" dirty="0">
                 <a:latin typeface="Bahnschrift Light SemiCondensed" panose="020B0502040204020203" pitchFamily="34" charset="0"/>
               </a:rPr>
-              <a:t>Doctor consulting the patient</a:t>
-            </a:r>
-          </a:p>
-          <a:p>
-            <a:pPr lvl="1" fontAlgn="ctr">
+              <a:t>A new entry is created in the consultation table automatically </a:t>
+            </a:r>
+          </a:p>
+          <a:p>
+            <a:pPr marL="742950" lvl="1" indent="-285750" fontAlgn="ctr">
               <a:lnSpc>
                 <a:spcPct val="150000"/>
               </a:lnSpc>
@@ -6294,22 +6259,34 @@
               <a:buChar char="•"/>
             </a:pPr>
             <a:r>
-              <a:rPr lang="en-IN" sz="2000" b="1" dirty="0">
-                <a:effectLst/>
+              <a:rPr lang="en-US" b="1" dirty="0">
                 <a:latin typeface="Bahnschrift Light SemiCondensed" panose="020B0502040204020203" pitchFamily="34" charset="0"/>
               </a:rPr>
-              <a:t> </a:t>
-            </a:r>
-            <a:r>
-              <a:rPr lang="en-IN" b="1" dirty="0">
-                <a:effectLst/>
+              <a:t>Once the basic details are added and the patient registration is complete , user will be redirected to pre diagnosis page where details including bp , temperature , etc .. can be added</a:t>
+            </a:r>
+          </a:p>
+          <a:p>
+            <a:pPr marL="457200" indent="-457200" rtl="0" fontAlgn="ctr">
+              <a:lnSpc>
+                <a:spcPct val="150000"/>
+              </a:lnSpc>
+              <a:spcBef>
+                <a:spcPts val="0"/>
+              </a:spcBef>
+              <a:spcAft>
+                <a:spcPts val="0"/>
+              </a:spcAft>
+              <a:buAutoNum type="arabicPeriod"/>
+            </a:pPr>
+            <a:r>
+              <a:rPr lang="en-US" sz="2400" b="1" dirty="0">
                 <a:latin typeface="Bahnschrift Light SemiCondensed" panose="020B0502040204020203" pitchFamily="34" charset="0"/>
               </a:rPr>
-              <a:t>There will be a drop-down of all the symptoms , the doctor can choose the symptom to be added to the patient-symptom table and if that symptom does not exist in the drop-down , there will be an option to enter a new symptom</a:t>
-            </a:r>
-          </a:p>
-          <a:p>
-            <a:pPr lvl="1" fontAlgn="ctr">
+              <a:t>Already registered</a:t>
+            </a:r>
+          </a:p>
+          <a:p>
+            <a:pPr marL="742950" lvl="1" indent="-285750" fontAlgn="ctr">
               <a:lnSpc>
                 <a:spcPct val="150000"/>
               </a:lnSpc>
@@ -6320,11 +6297,11 @@
               <a:rPr lang="en-IN" b="1" dirty="0">
                 <a:latin typeface="Bahnschrift Light SemiCondensed" panose="020B0502040204020203" pitchFamily="34" charset="0"/>
               </a:rPr>
-              <a:t> If a new symptom is added , that symptom will be stored inside the symptom table</a:t>
-            </a:r>
-          </a:p>
-          <a:p>
-            <a:pPr lvl="1" fontAlgn="ctr">
+              <a:t>All the registered patients will be displayed , user can select the patient</a:t>
+            </a:r>
+          </a:p>
+          <a:p>
+            <a:pPr marL="742950" lvl="1" indent="-285750" fontAlgn="ctr">
               <a:lnSpc>
                 <a:spcPct val="150000"/>
               </a:lnSpc>
@@ -6332,43 +6309,22 @@
               <a:buChar char="•"/>
             </a:pPr>
             <a:r>
-              <a:rPr lang="en-IN" b="1" dirty="0">
-                <a:effectLst/>
+              <a:rPr lang="en-US" b="1" dirty="0">
                 <a:latin typeface="Bahnschrift Light SemiCondensed" panose="020B0502040204020203" pitchFamily="34" charset="0"/>
               </a:rPr>
-              <a:t> Once the symptoms are added , the doctor can prescribe medicines for the patient , these will be stored in the </a:t>
-            </a:r>
-            <a:r>
-              <a:rPr lang="en-IN" b="1">
-                <a:effectLst/>
-                <a:latin typeface="Bahnschrift Light SemiCondensed" panose="020B0502040204020203" pitchFamily="34" charset="0"/>
-              </a:rPr>
-              <a:t>patient_diagnosis</a:t>
-            </a:r>
-            <a:r>
-              <a:rPr lang="en-IN" b="1" dirty="0">
-                <a:effectLst/>
-                <a:latin typeface="Bahnschrift Light SemiCondensed" panose="020B0502040204020203" pitchFamily="34" charset="0"/>
-              </a:rPr>
-              <a:t> table</a:t>
-            </a:r>
-          </a:p>
-          <a:p>
-            <a:pPr lvl="1" fontAlgn="ctr">
+              <a:t>One patient is selected , user will be redirected to pre diagnosis page where details including bp , temperature , etc .. can be added</a:t>
+            </a:r>
+            <a:endParaRPr lang="en-IN" b="1" dirty="0">
+              <a:latin typeface="Bahnschrift Light SemiCondensed" panose="020B0502040204020203" pitchFamily="34" charset="0"/>
+            </a:endParaRPr>
+          </a:p>
+          <a:p>
+            <a:pPr fontAlgn="ctr">
               <a:lnSpc>
                 <a:spcPct val="150000"/>
               </a:lnSpc>
-              <a:buFont typeface="Arial" panose="020B0604020202020204" pitchFamily="34" charset="0"/>
-              <a:buChar char="•"/>
             </a:pPr>
-            <a:r>
-              <a:rPr lang="en-IN" b="1" dirty="0">
-                <a:latin typeface="Bahnschrift Light SemiCondensed" panose="020B0502040204020203" pitchFamily="34" charset="0"/>
-              </a:rPr>
-              <a:t> The doctor can also give a total summary of the diagnosis and the symptoms which will be stored in the consultation table</a:t>
-            </a:r>
             <a:endParaRPr lang="en-IN" b="1" dirty="0">
-              <a:effectLst/>
               <a:latin typeface="Bahnschrift Light SemiCondensed" panose="020B0502040204020203" pitchFamily="34" charset="0"/>
             </a:endParaRPr>
           </a:p>
@@ -6418,8 +6374,8 @@
         </p:nvSpPr>
         <p:spPr>
           <a:xfrm>
-            <a:off x="4168135" y="124288"/>
-            <a:ext cx="3962944" cy="769441"/>
+            <a:off x="3486217" y="0"/>
+            <a:ext cx="5230919" cy="769441"/>
           </a:xfrm>
           <a:prstGeom prst="rect">
             <a:avLst/>
@@ -6439,7 +6395,7 @@
                 </a:solidFill>
                 <a:latin typeface="Bahnschrift" panose="020B0502040204020203" pitchFamily="34" charset="0"/>
               </a:rPr>
-              <a:t>Reconsultation</a:t>
+              <a:t>Logged in as Doctor</a:t>
             </a:r>
             <a:endParaRPr lang="en-IN" sz="4400" b="1" dirty="0">
               <a:solidFill>
@@ -6464,8 +6420,8 @@
         </p:nvSpPr>
         <p:spPr>
           <a:xfrm>
-            <a:off x="435969" y="893729"/>
-            <a:ext cx="11320061" cy="5170646"/>
+            <a:off x="435967" y="655454"/>
+            <a:ext cx="11320061" cy="5493812"/>
           </a:xfrm>
           <a:prstGeom prst="rect">
             <a:avLst/>
@@ -6492,36 +6448,17 @@
               <a:buChar char="•"/>
             </a:pPr>
             <a:r>
-              <a:rPr lang="en-US" sz="2000" b="1" dirty="0">
+              <a:rPr lang="en-US" sz="2400" b="1" dirty="0">
+                <a:effectLst/>
                 <a:latin typeface="Bahnschrift Light SemiCondensed" panose="020B0502040204020203" pitchFamily="34" charset="0"/>
               </a:rPr>
-              <a:t> There will be textbox to be filled about the pre-diagnosis of the patient by the nurse which includes bp , temperature , etc..</a:t>
-            </a:r>
-            <a:endParaRPr lang="en-IN" sz="2000" b="1" dirty="0">
-              <a:effectLst/>
-              <a:latin typeface="Candara" panose="020E0502030303020204" pitchFamily="34" charset="0"/>
-            </a:endParaRPr>
-          </a:p>
-          <a:p>
-            <a:pPr fontAlgn="ctr">
-              <a:lnSpc>
-                <a:spcPct val="150000"/>
-              </a:lnSpc>
-              <a:buFont typeface="Arial" panose="020B0604020202020204" pitchFamily="34" charset="0"/>
-              <a:buChar char="•"/>
-            </a:pPr>
-            <a:r>
-              <a:rPr lang="en-IN" sz="2000" b="1" dirty="0">
-                <a:effectLst/>
-                <a:latin typeface="Candara" panose="020E0502030303020204" pitchFamily="34" charset="0"/>
-              </a:rPr>
               <a:t> </a:t>
             </a:r>
             <a:r>
-              <a:rPr lang="en-IN" sz="2000" b="1" dirty="0">
+              <a:rPr lang="en-US" sz="2400" b="1" dirty="0">
                 <a:latin typeface="Bahnschrift Light SemiCondensed" panose="020B0502040204020203" pitchFamily="34" charset="0"/>
               </a:rPr>
-              <a:t>Doctor consulting the patient</a:t>
+              <a:t>There are two options for doctor</a:t>
             </a:r>
           </a:p>
           <a:p>
@@ -6533,11 +6470,10 @@
               <a:buChar char="•"/>
             </a:pPr>
             <a:r>
-              <a:rPr lang="en-IN" sz="2000" b="1" dirty="0">
-                <a:effectLst/>
+              <a:rPr lang="en-US" b="1" dirty="0">
                 <a:latin typeface="Bahnschrift Light SemiCondensed" panose="020B0502040204020203" pitchFamily="34" charset="0"/>
               </a:rPr>
-              <a:t> There will be a drop-down of all the symptoms , the doctor can choose the symptom to be added to the patient-symptom table and if that symptom does not exist in the drop-down , there will be an option to enter a new symptom</a:t>
+              <a:t> Consult the patient</a:t>
             </a:r>
           </a:p>
           <a:p>
@@ -6549,10 +6485,10 @@
               <a:buChar char="•"/>
             </a:pPr>
             <a:r>
-              <a:rPr lang="en-IN" sz="2000" b="1" dirty="0">
+              <a:rPr lang="en-US" b="1" dirty="0">
                 <a:latin typeface="Bahnschrift Light SemiCondensed" panose="020B0502040204020203" pitchFamily="34" charset="0"/>
               </a:rPr>
-              <a:t> If a new symptom is added , that symptom will be stored inside the symptom table</a:t>
+              <a:t> Add symptom</a:t>
             </a:r>
           </a:p>
           <a:p>
@@ -6564,11 +6500,30 @@
               <a:buChar char="•"/>
             </a:pPr>
             <a:r>
-              <a:rPr lang="en-IN" sz="2000" b="1" dirty="0">
-                <a:effectLst/>
+              <a:rPr lang="en-US" b="1" dirty="0">
                 <a:latin typeface="Bahnschrift Light SemiCondensed" panose="020B0502040204020203" pitchFamily="34" charset="0"/>
               </a:rPr>
-              <a:t> Once the symptoms are added , the doctor can prescribe medicines for the patient , these will be stored in the patient-diagnosis table</a:t>
+              <a:t> Patient history</a:t>
+            </a:r>
+          </a:p>
+          <a:p>
+            <a:pPr marL="457200" indent="-457200" rtl="0" fontAlgn="ctr">
+              <a:lnSpc>
+                <a:spcPct val="150000"/>
+              </a:lnSpc>
+              <a:spcBef>
+                <a:spcPts val="0"/>
+              </a:spcBef>
+              <a:spcAft>
+                <a:spcPts val="0"/>
+              </a:spcAft>
+              <a:buAutoNum type="arabicPeriod"/>
+            </a:pPr>
+            <a:r>
+              <a:rPr lang="en-US" sz="2400" b="1" dirty="0">
+                <a:latin typeface="Bahnschrift Light SemiCondensed" panose="020B0502040204020203" pitchFamily="34" charset="0"/>
+              </a:rPr>
+              <a:t>Consult the patient</a:t>
             </a:r>
           </a:p>
           <a:p>
@@ -6580,13 +6535,99 @@
               <a:buChar char="•"/>
             </a:pPr>
             <a:r>
-              <a:rPr lang="en-IN" sz="2000" b="1" dirty="0">
+              <a:rPr lang="en-US" b="1" dirty="0">
                 <a:latin typeface="Bahnschrift Light SemiCondensed" panose="020B0502040204020203" pitchFamily="34" charset="0"/>
               </a:rPr>
-              <a:t> The doctor can also give a total summary of the diagnosis and the symptoms which will be stored in the consultation table</a:t>
-            </a:r>
-            <a:endParaRPr lang="en-IN" sz="2000" b="1" dirty="0">
-              <a:effectLst/>
+              <a:t> All the pre-diagnosed patients will be displayed , doctor can select which patient to diagnose</a:t>
+            </a:r>
+          </a:p>
+          <a:p>
+            <a:pPr lvl="1" fontAlgn="ctr">
+              <a:lnSpc>
+                <a:spcPct val="150000"/>
+              </a:lnSpc>
+              <a:buFont typeface="Arial" panose="020B0604020202020204" pitchFamily="34" charset="0"/>
+              <a:buChar char="•"/>
+            </a:pPr>
+            <a:r>
+              <a:rPr lang="en-US" b="1" dirty="0">
+                <a:latin typeface="Bahnschrift Light SemiCondensed" panose="020B0502040204020203" pitchFamily="34" charset="0"/>
+              </a:rPr>
+              <a:t> A symptoms page with all symptoms will be loaded , doctor can also add new symptoms</a:t>
+            </a:r>
+          </a:p>
+          <a:p>
+            <a:pPr lvl="1" fontAlgn="ctr">
+              <a:lnSpc>
+                <a:spcPct val="150000"/>
+              </a:lnSpc>
+              <a:buFont typeface="Arial" panose="020B0604020202020204" pitchFamily="34" charset="0"/>
+              <a:buChar char="•"/>
+            </a:pPr>
+            <a:r>
+              <a:rPr lang="en-US" b="1" dirty="0">
+                <a:latin typeface="Bahnschrift Light SemiCondensed" panose="020B0502040204020203" pitchFamily="34" charset="0"/>
+              </a:rPr>
+              <a:t> Once symptoms are entered , a medicine page is loaded , doctor can add medicine </a:t>
+            </a:r>
+          </a:p>
+          <a:p>
+            <a:pPr lvl="1" fontAlgn="ctr">
+              <a:lnSpc>
+                <a:spcPct val="150000"/>
+              </a:lnSpc>
+              <a:buFont typeface="Arial" panose="020B0604020202020204" pitchFamily="34" charset="0"/>
+              <a:buChar char="•"/>
+            </a:pPr>
+            <a:r>
+              <a:rPr lang="en-US" b="1" dirty="0">
+                <a:latin typeface="Bahnschrift Light SemiCondensed" panose="020B0502040204020203" pitchFamily="34" charset="0"/>
+              </a:rPr>
+              <a:t> Notes page is loaded in which doctor can add noted regarding the consultation</a:t>
+            </a:r>
+          </a:p>
+          <a:p>
+            <a:pPr marL="457200" indent="-457200" rtl="0" fontAlgn="ctr">
+              <a:lnSpc>
+                <a:spcPct val="150000"/>
+              </a:lnSpc>
+              <a:spcBef>
+                <a:spcPts val="0"/>
+              </a:spcBef>
+              <a:spcAft>
+                <a:spcPts val="0"/>
+              </a:spcAft>
+              <a:buAutoNum type="arabicPeriod"/>
+            </a:pPr>
+            <a:r>
+              <a:rPr lang="en-US" sz="2400" b="1" dirty="0">
+                <a:latin typeface="Bahnschrift Light SemiCondensed" panose="020B0502040204020203" pitchFamily="34" charset="0"/>
+              </a:rPr>
+              <a:t>Add symptom</a:t>
+            </a:r>
+          </a:p>
+          <a:p>
+            <a:pPr lvl="1" fontAlgn="ctr">
+              <a:lnSpc>
+                <a:spcPct val="150000"/>
+              </a:lnSpc>
+              <a:buFont typeface="Arial" panose="020B0604020202020204" pitchFamily="34" charset="0"/>
+              <a:buChar char="•"/>
+            </a:pPr>
+            <a:r>
+              <a:rPr lang="en-US" b="1" dirty="0">
+                <a:latin typeface="Bahnschrift Light SemiCondensed" panose="020B0502040204020203" pitchFamily="34" charset="0"/>
+              </a:rPr>
+              <a:t> Choosing this option loads a page where doctor can add new symptoms along with their description</a:t>
+            </a:r>
+          </a:p>
+          <a:p>
+            <a:pPr fontAlgn="ctr">
+              <a:lnSpc>
+                <a:spcPct val="150000"/>
+              </a:lnSpc>
+            </a:pPr>
+            <a:endParaRPr lang="en-IN" b="1" dirty="0">
               <a:latin typeface="Bahnschrift Light SemiCondensed" panose="020B0502040204020203" pitchFamily="34" charset="0"/>
             </a:endParaRPr>
           </a:p>
@@ -6595,7 +6636,7 @@
     </p:spTree>
     <p:extLst>
       <p:ext uri="{BB962C8B-B14F-4D97-AF65-F5344CB8AC3E}">
-        <p14:creationId xmlns:p14="http://schemas.microsoft.com/office/powerpoint/2010/main" val="3900818617"/>
+        <p14:creationId xmlns:p14="http://schemas.microsoft.com/office/powerpoint/2010/main" val="3279675601"/>
       </p:ext>
     </p:extLst>
   </p:cSld>
@@ -6636,8 +6677,8 @@
         </p:nvSpPr>
         <p:spPr>
           <a:xfrm>
-            <a:off x="4168135" y="124288"/>
-            <a:ext cx="2518638" cy="769441"/>
+            <a:off x="3486217" y="0"/>
+            <a:ext cx="5230919" cy="769441"/>
           </a:xfrm>
           <a:prstGeom prst="rect">
             <a:avLst/>
@@ -6657,7 +6698,7 @@
                 </a:solidFill>
                 <a:latin typeface="Bahnschrift" panose="020B0502040204020203" pitchFamily="34" charset="0"/>
               </a:rPr>
-              <a:t>Progress</a:t>
+              <a:t>Logged in as Doctor</a:t>
             </a:r>
             <a:endParaRPr lang="en-IN" sz="4400" b="1" dirty="0">
               <a:solidFill>
@@ -6682,8 +6723,8 @@
         </p:nvSpPr>
         <p:spPr>
           <a:xfrm>
-            <a:off x="435969" y="893729"/>
-            <a:ext cx="11320061" cy="2308324"/>
+            <a:off x="435967" y="655454"/>
+            <a:ext cx="11320061" cy="1477328"/>
           </a:xfrm>
           <a:prstGeom prst="rect">
             <a:avLst/>
@@ -6696,7 +6737,30 @@
           </a:bodyPr>
           <a:lstStyle/>
           <a:p>
-            <a:pPr marL="342900" indent="-342900" fontAlgn="ctr">
+            <a:pPr rtl="0" fontAlgn="ctr">
+              <a:lnSpc>
+                <a:spcPct val="150000"/>
+              </a:lnSpc>
+              <a:spcBef>
+                <a:spcPts val="0"/>
+              </a:spcBef>
+              <a:spcAft>
+                <a:spcPts val="0"/>
+              </a:spcAft>
+            </a:pPr>
+            <a:r>
+              <a:rPr lang="en-US" sz="2400" b="1" dirty="0">
+                <a:effectLst/>
+                <a:latin typeface="Bahnschrift Light SemiCondensed" panose="020B0502040204020203" pitchFamily="34" charset="0"/>
+              </a:rPr>
+              <a:t>3 . Patient history</a:t>
+            </a:r>
+            <a:endParaRPr lang="en-US" sz="2400" b="1" dirty="0">
+              <a:latin typeface="Bahnschrift Light SemiCondensed" panose="020B0502040204020203" pitchFamily="34" charset="0"/>
+            </a:endParaRPr>
+          </a:p>
+          <a:p>
+            <a:pPr lvl="1" fontAlgn="ctr">
               <a:lnSpc>
                 <a:spcPct val="150000"/>
               </a:lnSpc>
@@ -6704,21 +6768,14 @@
               <a:buChar char="•"/>
             </a:pPr>
             <a:r>
-              <a:rPr lang="en-IN" sz="2000" b="1" dirty="0">
-                <a:effectLst/>
-                <a:latin typeface="Candara" panose="020E0502030303020204" pitchFamily="34" charset="0"/>
-              </a:rPr>
-              <a:t> </a:t>
-            </a:r>
-            <a:r>
-              <a:rPr lang="en-IN" sz="2400" b="1" dirty="0">
+              <a:rPr lang="en-US" b="1" dirty="0">
                 <a:latin typeface="Bahnschrift Light SemiCondensed" panose="020B0502040204020203" pitchFamily="34" charset="0"/>
               </a:rPr>
-              <a:t>In this page all the patients will be listed in order</a:t>
-            </a:r>
-          </a:p>
-          <a:p>
-            <a:pPr marL="342900" indent="-342900" fontAlgn="ctr">
+              <a:t> A list all of patients are loaded </a:t>
+            </a:r>
+          </a:p>
+          <a:p>
+            <a:pPr lvl="1" fontAlgn="ctr">
               <a:lnSpc>
                 <a:spcPct val="150000"/>
               </a:lnSpc>
@@ -6726,43 +6783,18 @@
               <a:buChar char="•"/>
             </a:pPr>
             <a:r>
-              <a:rPr lang="en-IN" sz="2400" b="1" dirty="0">
-                <a:effectLst/>
+              <a:rPr lang="en-IN" b="1" dirty="0">
                 <a:latin typeface="Bahnschrift Light SemiCondensed" panose="020B0502040204020203" pitchFamily="34" charset="0"/>
               </a:rPr>
-              <a:t>Clicking on a p</a:t>
-            </a:r>
-            <a:r>
-              <a:rPr lang="en-IN" sz="2400" b="1" dirty="0">
-                <a:latin typeface="Bahnschrift Light SemiCondensed" panose="020B0502040204020203" pitchFamily="34" charset="0"/>
-              </a:rPr>
-              <a:t>atient loads a new page with the entire history of the patient including a</a:t>
-            </a:r>
-            <a:r>
-              <a:rPr lang="en-IN" sz="2400" b="1" dirty="0">
-                <a:effectLst/>
-                <a:latin typeface="Bahnschrift Light SemiCondensed" panose="020B0502040204020203" pitchFamily="34" charset="0"/>
-              </a:rPr>
-              <a:t>ll the symptoms and their diagnosis ordered by date</a:t>
-            </a:r>
-          </a:p>
-          <a:p>
-            <a:pPr fontAlgn="ctr">
-              <a:lnSpc>
-                <a:spcPct val="150000"/>
-              </a:lnSpc>
-            </a:pPr>
-            <a:endParaRPr lang="en-IN" sz="2400" dirty="0">
-              <a:effectLst/>
-              <a:latin typeface="Bahnschrift Light SemiCondensed" panose="020B0502040204020203" pitchFamily="34" charset="0"/>
-            </a:endParaRPr>
+              <a:t> Once a patient is selected , all his consultation and details are loaded</a:t>
+            </a:r>
           </a:p>
         </p:txBody>
       </p:sp>
     </p:spTree>
     <p:extLst>
       <p:ext uri="{BB962C8B-B14F-4D97-AF65-F5344CB8AC3E}">
-        <p14:creationId xmlns:p14="http://schemas.microsoft.com/office/powerpoint/2010/main" val="3336371899"/>
+        <p14:creationId xmlns:p14="http://schemas.microsoft.com/office/powerpoint/2010/main" val="3955754931"/>
       </p:ext>
     </p:extLst>
   </p:cSld>

--- a/workflow.pptx
+++ b/workflow.pptx
@@ -267,7 +267,7 @@
           <a:p>
             <a:fld id="{19CC5DA6-DE84-4028-B044-13FB51547F64}" type="datetimeFigureOut">
               <a:rPr lang="en-IN" smtClean="0"/>
-              <a:t>13-09-2023</a:t>
+              <a:t>14-09-2023</a:t>
             </a:fld>
             <a:endParaRPr lang="en-IN"/>
           </a:p>
@@ -467,7 +467,7 @@
           <a:p>
             <a:fld id="{19CC5DA6-DE84-4028-B044-13FB51547F64}" type="datetimeFigureOut">
               <a:rPr lang="en-IN" smtClean="0"/>
-              <a:t>13-09-2023</a:t>
+              <a:t>14-09-2023</a:t>
             </a:fld>
             <a:endParaRPr lang="en-IN"/>
           </a:p>
@@ -677,7 +677,7 @@
           <a:p>
             <a:fld id="{19CC5DA6-DE84-4028-B044-13FB51547F64}" type="datetimeFigureOut">
               <a:rPr lang="en-IN" smtClean="0"/>
-              <a:t>13-09-2023</a:t>
+              <a:t>14-09-2023</a:t>
             </a:fld>
             <a:endParaRPr lang="en-IN"/>
           </a:p>
@@ -877,7 +877,7 @@
           <a:p>
             <a:fld id="{19CC5DA6-DE84-4028-B044-13FB51547F64}" type="datetimeFigureOut">
               <a:rPr lang="en-IN" smtClean="0"/>
-              <a:t>13-09-2023</a:t>
+              <a:t>14-09-2023</a:t>
             </a:fld>
             <a:endParaRPr lang="en-IN"/>
           </a:p>
@@ -1153,7 +1153,7 @@
           <a:p>
             <a:fld id="{19CC5DA6-DE84-4028-B044-13FB51547F64}" type="datetimeFigureOut">
               <a:rPr lang="en-IN" smtClean="0"/>
-              <a:t>13-09-2023</a:t>
+              <a:t>14-09-2023</a:t>
             </a:fld>
             <a:endParaRPr lang="en-IN"/>
           </a:p>
@@ -1421,7 +1421,7 @@
           <a:p>
             <a:fld id="{19CC5DA6-DE84-4028-B044-13FB51547F64}" type="datetimeFigureOut">
               <a:rPr lang="en-IN" smtClean="0"/>
-              <a:t>13-09-2023</a:t>
+              <a:t>14-09-2023</a:t>
             </a:fld>
             <a:endParaRPr lang="en-IN"/>
           </a:p>
@@ -1836,7 +1836,7 @@
           <a:p>
             <a:fld id="{19CC5DA6-DE84-4028-B044-13FB51547F64}" type="datetimeFigureOut">
               <a:rPr lang="en-IN" smtClean="0"/>
-              <a:t>13-09-2023</a:t>
+              <a:t>14-09-2023</a:t>
             </a:fld>
             <a:endParaRPr lang="en-IN"/>
           </a:p>
@@ -1978,7 +1978,7 @@
           <a:p>
             <a:fld id="{19CC5DA6-DE84-4028-B044-13FB51547F64}" type="datetimeFigureOut">
               <a:rPr lang="en-IN" smtClean="0"/>
-              <a:t>13-09-2023</a:t>
+              <a:t>14-09-2023</a:t>
             </a:fld>
             <a:endParaRPr lang="en-IN"/>
           </a:p>
@@ -2091,7 +2091,7 @@
           <a:p>
             <a:fld id="{19CC5DA6-DE84-4028-B044-13FB51547F64}" type="datetimeFigureOut">
               <a:rPr lang="en-IN" smtClean="0"/>
-              <a:t>13-09-2023</a:t>
+              <a:t>14-09-2023</a:t>
             </a:fld>
             <a:endParaRPr lang="en-IN"/>
           </a:p>
@@ -2404,7 +2404,7 @@
           <a:p>
             <a:fld id="{19CC5DA6-DE84-4028-B044-13FB51547F64}" type="datetimeFigureOut">
               <a:rPr lang="en-IN" smtClean="0"/>
-              <a:t>13-09-2023</a:t>
+              <a:t>14-09-2023</a:t>
             </a:fld>
             <a:endParaRPr lang="en-IN"/>
           </a:p>
@@ -2693,7 +2693,7 @@
           <a:p>
             <a:fld id="{19CC5DA6-DE84-4028-B044-13FB51547F64}" type="datetimeFigureOut">
               <a:rPr lang="en-IN" smtClean="0"/>
-              <a:t>13-09-2023</a:t>
+              <a:t>14-09-2023</a:t>
             </a:fld>
             <a:endParaRPr lang="en-IN"/>
           </a:p>
@@ -2936,7 +2936,7 @@
           <a:p>
             <a:fld id="{19CC5DA6-DE84-4028-B044-13FB51547F64}" type="datetimeFigureOut">
               <a:rPr lang="en-IN" smtClean="0"/>
-              <a:t>13-09-2023</a:t>
+              <a:t>14-09-2023</a:t>
             </a:fld>
             <a:endParaRPr lang="en-IN"/>
           </a:p>
@@ -5324,14 +5324,14 @@
           <p:nvPr>
             <p:extLst>
               <p:ext uri="{D42A27DB-BD31-4B8C-83A1-F6EECF244321}">
-                <p14:modId xmlns:p14="http://schemas.microsoft.com/office/powerpoint/2010/main" val="309558144"/>
+                <p14:modId xmlns:p14="http://schemas.microsoft.com/office/powerpoint/2010/main" val="1264434929"/>
               </p:ext>
             </p:extLst>
           </p:nvPr>
         </p:nvGraphicFramePr>
         <p:xfrm>
           <a:off x="886776" y="4896862"/>
-          <a:ext cx="6823976" cy="1483360"/>
+          <a:ext cx="5400331" cy="1483360"/>
         </p:xfrm>
         <a:graphic>
           <a:graphicData uri="http://schemas.openxmlformats.org/drawingml/2006/table">
@@ -5354,13 +5354,6 @@
                     </a:ext>
                   </a:extLst>
                 </a:gridCol>
-                <a:gridCol w="1423645">
-                  <a:extLst>
-                    <a:ext uri="{9D8B030D-6E8A-4147-A177-3AD203B41FA5}">
-                      <a16:colId xmlns:a16="http://schemas.microsoft.com/office/drawing/2014/main" val="3071449341"/>
-                    </a:ext>
-                  </a:extLst>
-                </a:gridCol>
                 <a:gridCol w="2505220">
                   <a:extLst>
                     <a:ext uri="{9D8B030D-6E8A-4147-A177-3AD203B41FA5}">
@@ -5404,20 +5397,6 @@
                     <a:lstStyle/>
                     <a:p>
                       <a:r>
-                        <a:rPr lang="en-US" dirty="0" err="1"/>
-                        <a:t>patient_id</a:t>
-                      </a:r>
-                      <a:endParaRPr lang="en-IN" dirty="0"/>
-                    </a:p>
-                  </a:txBody>
-                  <a:tcPr/>
-                </a:tc>
-                <a:tc>
-                  <a:txBody>
-                    <a:bodyPr/>
-                    <a:lstStyle/>
-                    <a:p>
-                      <a:r>
                         <a:rPr lang="en-US" dirty="0"/>
                         <a:t>symptoms</a:t>
                       </a:r>
@@ -5433,16 +5412,6 @@
                 </a:extLst>
               </a:tr>
               <a:tr h="370840">
-                <a:tc>
-                  <a:txBody>
-                    <a:bodyPr/>
-                    <a:lstStyle/>
-                    <a:p>
-                      <a:endParaRPr lang="en-IN" dirty="0"/>
-                    </a:p>
-                  </a:txBody>
-                  <a:tcPr/>
-                </a:tc>
                 <a:tc>
                   <a:txBody>
                     <a:bodyPr/>
@@ -5534,16 +5503,6 @@
                     <a:bodyPr/>
                     <a:lstStyle/>
                     <a:p>
-                      <a:endParaRPr lang="en-IN" dirty="0"/>
-                    </a:p>
-                  </a:txBody>
-                  <a:tcPr/>
-                </a:tc>
-                <a:tc>
-                  <a:txBody>
-                    <a:bodyPr/>
-                    <a:lstStyle/>
-                    <a:p>
                       <a:pPr marL="0" marR="0" lvl="0" indent="0" algn="l" defTabSz="914400" rtl="0" eaLnBrk="1" fontAlgn="auto" latinLnBrk="0" hangingPunct="1">
                         <a:lnSpc>
                           <a:spcPct val="100000"/>
@@ -5585,16 +5544,6 @@
                 </a:extLst>
               </a:tr>
               <a:tr h="370840">
-                <a:tc>
-                  <a:txBody>
-                    <a:bodyPr/>
-                    <a:lstStyle/>
-                    <a:p>
-                      <a:endParaRPr lang="en-IN" dirty="0"/>
-                    </a:p>
-                  </a:txBody>
-                  <a:tcPr/>
-                </a:tc>
                 <a:tc>
                   <a:txBody>
                     <a:bodyPr/>
